--- a/report/CPE_v3.pptx
+++ b/report/CPE_v3.pptx
@@ -608,6 +608,60 @@
           <a:bodyPr/>
           <a:lstStyle/>
           <a:p>
+            <a:r>
+              <a:rPr lang="en-US" dirty="0"/>
+              <a:t>C; </a:t>
+            </a:r>
+            <a:r>
+              <a:rPr lang="en-US" sz="1200" b="0" i="0" u="none" strike="noStrike" kern="1200" dirty="0">
+                <a:solidFill>
+                  <a:schemeClr val="tx1"/>
+                </a:solidFill>
+                <a:effectLst/>
+                <a:latin typeface="+mn-lt"/>
+                <a:ea typeface="+mn-ea"/>
+                <a:cs typeface="+mn-cs"/>
+              </a:rPr>
+              <a:t>Regularization parameter. The strength of the regularization is inversely proportional to C. Must be strictly positive. </a:t>
+            </a:r>
+          </a:p>
+          <a:p>
+            <a:r>
+              <a:rPr lang="en-US" sz="1200" b="0" i="0" u="none" strike="noStrike" kern="1200" dirty="0">
+                <a:solidFill>
+                  <a:schemeClr val="tx1"/>
+                </a:solidFill>
+                <a:effectLst/>
+                <a:latin typeface="+mn-lt"/>
+                <a:ea typeface="+mn-ea"/>
+                <a:cs typeface="+mn-cs"/>
+              </a:rPr>
+              <a:t>Kernel: polynomial kernel functions (https://</a:t>
+            </a:r>
+            <a:r>
+              <a:rPr lang="en-US" sz="1200" b="0" i="0" u="none" strike="noStrike" kern="1200" dirty="0" err="1">
+                <a:solidFill>
+                  <a:schemeClr val="tx1"/>
+                </a:solidFill>
+                <a:effectLst/>
+                <a:latin typeface="+mn-lt"/>
+                <a:ea typeface="+mn-ea"/>
+                <a:cs typeface="+mn-cs"/>
+              </a:rPr>
+              <a:t>towardsdatascience.com</a:t>
+            </a:r>
+            <a:r>
+              <a:rPr lang="en-US" sz="1200" b="0" i="0" u="none" strike="noStrike" kern="1200" dirty="0">
+                <a:solidFill>
+                  <a:schemeClr val="tx1"/>
+                </a:solidFill>
+                <a:effectLst/>
+                <a:latin typeface="+mn-lt"/>
+                <a:ea typeface="+mn-ea"/>
+                <a:cs typeface="+mn-cs"/>
+              </a:rPr>
+              <a:t>/kernel-function-6f1d2be6091). </a:t>
+            </a:r>
             <a:endParaRPr lang="en-US" dirty="0"/>
           </a:p>
         </p:txBody>
@@ -692,6 +746,78 @@
           <a:bodyPr/>
           <a:lstStyle/>
           <a:p>
+            <a:pPr marL="0" marR="0" lvl="0" indent="0" algn="l" defTabSz="914400" rtl="0" eaLnBrk="1" fontAlgn="auto" latinLnBrk="0" hangingPunct="1">
+              <a:lnSpc>
+                <a:spcPct val="100000"/>
+              </a:lnSpc>
+              <a:spcBef>
+                <a:spcPts val="0"/>
+              </a:spcBef>
+              <a:spcAft>
+                <a:spcPts val="0"/>
+              </a:spcAft>
+              <a:buClrTx/>
+              <a:buSzTx/>
+              <a:buFontTx/>
+              <a:buNone/>
+              <a:tabLst/>
+              <a:defRPr/>
+            </a:pPr>
+            <a:r>
+              <a:rPr lang="en-US" dirty="0"/>
+              <a:t>- </a:t>
+            </a:r>
+            <a:r>
+              <a:rPr lang="en-US" sz="1200" b="0" i="0" u="none" strike="noStrike" kern="1200" dirty="0" err="1">
+                <a:solidFill>
+                  <a:schemeClr val="tx1"/>
+                </a:solidFill>
+                <a:effectLst/>
+                <a:latin typeface="+mn-lt"/>
+                <a:ea typeface="+mn-ea"/>
+                <a:cs typeface="+mn-cs"/>
+              </a:rPr>
+              <a:t>colsample_bytree</a:t>
+            </a:r>
+            <a:r>
+              <a:rPr lang="en-US" sz="1200" b="0" i="0" u="none" strike="noStrike" kern="1200" dirty="0">
+                <a:solidFill>
+                  <a:schemeClr val="tx1"/>
+                </a:solidFill>
+                <a:effectLst/>
+                <a:latin typeface="+mn-lt"/>
+                <a:ea typeface="+mn-ea"/>
+                <a:cs typeface="+mn-cs"/>
+              </a:rPr>
+              <a:t> is the subsample ratio of columns when constructing each tree. Subsampling occurs once for every tree constructed.</a:t>
+            </a:r>
+            <a:endParaRPr lang="en-US" dirty="0"/>
+          </a:p>
+          <a:p>
+            <a:pPr marL="171450" indent="-171450">
+              <a:buFontTx/>
+              <a:buChar char="-"/>
+            </a:pPr>
+            <a:r>
+              <a:rPr lang="en-US" dirty="0"/>
+              <a:t>Learning rate: </a:t>
+            </a:r>
+          </a:p>
+          <a:p>
+            <a:pPr marL="171450" indent="-171450">
+              <a:buFontTx/>
+              <a:buChar char="-"/>
+            </a:pPr>
+            <a:r>
+              <a:rPr lang="en-US" dirty="0"/>
+              <a:t>Max depth of tree.</a:t>
+            </a:r>
+          </a:p>
+          <a:p>
+            <a:pPr marL="171450" indent="-171450">
+              <a:buFontTx/>
+              <a:buChar char="-"/>
+            </a:pPr>
             <a:endParaRPr lang="en-US" dirty="0"/>
           </a:p>
         </p:txBody>
@@ -11523,15 +11649,7 @@
             </a:pPr>
             <a:r>
               <a:rPr lang="en-US" dirty="0"/>
-              <a:t>Scale of </a:t>
-            </a:r>
-            <a:r>
-              <a:rPr lang="en-US" dirty="0" err="1"/>
-              <a:t>softwares</a:t>
-            </a:r>
-            <a:r>
-              <a:rPr lang="en-US" dirty="0"/>
-              <a:t>.</a:t>
+              <a:t>Scale of software.</a:t>
             </a:r>
           </a:p>
           <a:p>
@@ -12989,7 +13107,7 @@
           <a:p>
             <a:r>
               <a:rPr lang="en-US" dirty="0"/>
-              <a:t>9500 Java Projects.</a:t>
+              <a:t>9300 Java Projects.</a:t>
             </a:r>
           </a:p>
           <a:p>
@@ -13021,7 +13139,7 @@
             </a:pPr>
             <a:r>
               <a:rPr lang="en-US" dirty="0"/>
-              <a:t>500 for testing.</a:t>
+              <a:t>300 for testing.</a:t>
             </a:r>
           </a:p>
           <a:p>
